--- a/196-MATLAB/MATLAB .pptx
+++ b/196-MATLAB/MATLAB .pptx
@@ -354,7 +354,7 @@
           <a:p>
             <a:fld id="{AFECFCB1-6550-40BF-92CB-81C7EC8A25D8}" type="datetimeFigureOut">
               <a:rPr lang="zh-CN" altLang="en-US" smtClean="0"/>
-              <a:t>2019/5/23</a:t>
+              <a:t>2021/9/27</a:t>
             </a:fld>
             <a:endParaRPr lang="zh-CN" altLang="en-US"/>
           </a:p>
@@ -524,7 +524,7 @@
           <a:p>
             <a:fld id="{AFECFCB1-6550-40BF-92CB-81C7EC8A25D8}" type="datetimeFigureOut">
               <a:rPr lang="zh-CN" altLang="en-US" smtClean="0"/>
-              <a:t>2019/5/23</a:t>
+              <a:t>2021/9/27</a:t>
             </a:fld>
             <a:endParaRPr lang="zh-CN" altLang="en-US"/>
           </a:p>
@@ -704,7 +704,7 @@
           <a:p>
             <a:fld id="{AFECFCB1-6550-40BF-92CB-81C7EC8A25D8}" type="datetimeFigureOut">
               <a:rPr lang="zh-CN" altLang="en-US" smtClean="0"/>
-              <a:t>2019/5/23</a:t>
+              <a:t>2021/9/27</a:t>
             </a:fld>
             <a:endParaRPr lang="zh-CN" altLang="en-US"/>
           </a:p>
@@ -874,7 +874,7 @@
           <a:p>
             <a:fld id="{AFECFCB1-6550-40BF-92CB-81C7EC8A25D8}" type="datetimeFigureOut">
               <a:rPr lang="zh-CN" altLang="en-US" smtClean="0"/>
-              <a:t>2019/5/23</a:t>
+              <a:t>2021/9/27</a:t>
             </a:fld>
             <a:endParaRPr lang="zh-CN" altLang="en-US"/>
           </a:p>
@@ -1120,7 +1120,7 @@
           <a:p>
             <a:fld id="{AFECFCB1-6550-40BF-92CB-81C7EC8A25D8}" type="datetimeFigureOut">
               <a:rPr lang="zh-CN" altLang="en-US" smtClean="0"/>
-              <a:t>2019/5/23</a:t>
+              <a:t>2021/9/27</a:t>
             </a:fld>
             <a:endParaRPr lang="zh-CN" altLang="en-US"/>
           </a:p>
@@ -1352,7 +1352,7 @@
           <a:p>
             <a:fld id="{AFECFCB1-6550-40BF-92CB-81C7EC8A25D8}" type="datetimeFigureOut">
               <a:rPr lang="zh-CN" altLang="en-US" smtClean="0"/>
-              <a:t>2019/5/23</a:t>
+              <a:t>2021/9/27</a:t>
             </a:fld>
             <a:endParaRPr lang="zh-CN" altLang="en-US"/>
           </a:p>
@@ -1719,7 +1719,7 @@
           <a:p>
             <a:fld id="{AFECFCB1-6550-40BF-92CB-81C7EC8A25D8}" type="datetimeFigureOut">
               <a:rPr lang="zh-CN" altLang="en-US" smtClean="0"/>
-              <a:t>2019/5/23</a:t>
+              <a:t>2021/9/27</a:t>
             </a:fld>
             <a:endParaRPr lang="zh-CN" altLang="en-US"/>
           </a:p>
@@ -1837,7 +1837,7 @@
           <a:p>
             <a:fld id="{AFECFCB1-6550-40BF-92CB-81C7EC8A25D8}" type="datetimeFigureOut">
               <a:rPr lang="zh-CN" altLang="en-US" smtClean="0"/>
-              <a:t>2019/5/23</a:t>
+              <a:t>2021/9/27</a:t>
             </a:fld>
             <a:endParaRPr lang="zh-CN" altLang="en-US"/>
           </a:p>
@@ -1932,7 +1932,7 @@
           <a:p>
             <a:fld id="{AFECFCB1-6550-40BF-92CB-81C7EC8A25D8}" type="datetimeFigureOut">
               <a:rPr lang="zh-CN" altLang="en-US" smtClean="0"/>
-              <a:t>2019/5/23</a:t>
+              <a:t>2021/9/27</a:t>
             </a:fld>
             <a:endParaRPr lang="zh-CN" altLang="en-US"/>
           </a:p>
@@ -2209,7 +2209,7 @@
           <a:p>
             <a:fld id="{AFECFCB1-6550-40BF-92CB-81C7EC8A25D8}" type="datetimeFigureOut">
               <a:rPr lang="zh-CN" altLang="en-US" smtClean="0"/>
-              <a:t>2019/5/23</a:t>
+              <a:t>2021/9/27</a:t>
             </a:fld>
             <a:endParaRPr lang="zh-CN" altLang="en-US"/>
           </a:p>
@@ -2462,7 +2462,7 @@
           <a:p>
             <a:fld id="{AFECFCB1-6550-40BF-92CB-81C7EC8A25D8}" type="datetimeFigureOut">
               <a:rPr lang="zh-CN" altLang="en-US" smtClean="0"/>
-              <a:t>2019/5/23</a:t>
+              <a:t>2021/9/27</a:t>
             </a:fld>
             <a:endParaRPr lang="zh-CN" altLang="en-US"/>
           </a:p>
@@ -2675,7 +2675,7 @@
           <a:p>
             <a:fld id="{AFECFCB1-6550-40BF-92CB-81C7EC8A25D8}" type="datetimeFigureOut">
               <a:rPr lang="zh-CN" altLang="en-US" smtClean="0"/>
-              <a:t>2019/5/23</a:t>
+              <a:t>2021/9/27</a:t>
             </a:fld>
             <a:endParaRPr lang="zh-CN" altLang="en-US"/>
           </a:p>
@@ -7868,18 +7868,18 @@
           <a:lstStyle/>
           <a:p>
             <a:r>
-              <a:rPr lang="zh-CN" altLang="en-US" smtClean="0"/>
+              <a:rPr lang="zh-CN" altLang="en-US" dirty="0" smtClean="0"/>
               <a:t>工作目录（</a:t>
             </a:r>
             <a:r>
-              <a:rPr lang="en-US" altLang="zh-CN" smtClean="0"/>
+              <a:rPr lang="en-US" altLang="zh-CN" dirty="0" smtClean="0"/>
               <a:t>load mat</a:t>
             </a:r>
             <a:r>
-              <a:rPr lang="zh-CN" altLang="en-US" smtClean="0"/>
+              <a:rPr lang="zh-CN" altLang="en-US" dirty="0" smtClean="0"/>
               <a:t>时很烦）</a:t>
             </a:r>
-            <a:endParaRPr lang="zh-CN" altLang="en-US"/>
+            <a:endParaRPr lang="zh-CN" altLang="en-US" dirty="0"/>
           </a:p>
         </p:txBody>
       </p:sp>
@@ -7959,7 +7959,7 @@
               <a:tabLst/>
             </a:pPr>
             <a:r>
-              <a:rPr kumimoji="0" lang="zh-CN" altLang="zh-CN" sz="1800" b="0" i="0" u="none" strike="noStrike" cap="none" normalizeH="0" baseline="0" smtClean="0">
+              <a:rPr kumimoji="0" lang="zh-CN" altLang="zh-CN" sz="1800" b="0" i="0" u="none" strike="noStrike" cap="none" normalizeH="0" baseline="0" dirty="0" smtClean="0">
                 <a:ln>
                   <a:noFill/>
                 </a:ln>
@@ -7972,7 +7972,7 @@
               <a:t>cd </a:t>
             </a:r>
             <a:br>
-              <a:rPr kumimoji="0" lang="zh-CN" altLang="zh-CN" sz="1800" b="0" i="0" u="none" strike="noStrike" cap="none" normalizeH="0" baseline="0" smtClean="0">
+              <a:rPr kumimoji="0" lang="zh-CN" altLang="zh-CN" sz="1800" b="0" i="0" u="none" strike="noStrike" cap="none" normalizeH="0" baseline="0" dirty="0" smtClean="0">
                 <a:ln>
                   <a:noFill/>
                 </a:ln>
@@ -7984,7 +7984,7 @@
               </a:rPr>
             </a:br>
             <a:r>
-              <a:rPr kumimoji="0" lang="zh-CN" altLang="zh-CN" sz="1800" b="0" i="0" u="none" strike="noStrike" cap="none" normalizeH="0" baseline="0" smtClean="0">
+              <a:rPr kumimoji="0" lang="zh-CN" altLang="zh-CN" sz="1800" b="0" i="0" u="none" strike="noStrike" cap="none" normalizeH="0" baseline="0" dirty="0" smtClean="0">
                 <a:ln>
                   <a:noFill/>
                 </a:ln>
@@ -8015,7 +8015,7 @@
               <a:tabLst/>
             </a:pPr>
             <a:r>
-              <a:rPr kumimoji="0" lang="zh-CN" altLang="zh-CN" sz="1800" b="0" i="0" u="none" strike="noStrike" cap="none" normalizeH="0" baseline="0" smtClean="0">
+              <a:rPr kumimoji="0" lang="zh-CN" altLang="zh-CN" sz="1800" b="0" i="0" u="none" strike="noStrike" cap="none" normalizeH="0" baseline="0" dirty="0" smtClean="0">
                 <a:ln>
                   <a:noFill/>
                 </a:ln>
@@ -8028,7 +8028,7 @@
               <a:t>cd(‘c:/toolbox/matlab/demos’) %切换当前工作目录到demos </a:t>
             </a:r>
             <a:br>
-              <a:rPr kumimoji="0" lang="zh-CN" altLang="zh-CN" sz="1800" b="0" i="0" u="none" strike="noStrike" cap="none" normalizeH="0" baseline="0" smtClean="0">
+              <a:rPr kumimoji="0" lang="zh-CN" altLang="zh-CN" sz="1800" b="0" i="0" u="none" strike="noStrike" cap="none" normalizeH="0" baseline="0" dirty="0" smtClean="0">
                 <a:ln>
                   <a:noFill/>
                 </a:ln>
@@ -8040,7 +8040,7 @@
               </a:rPr>
             </a:br>
             <a:r>
-              <a:rPr kumimoji="0" lang="zh-CN" altLang="zh-CN" sz="1800" b="0" i="0" u="none" strike="noStrike" cap="none" normalizeH="0" baseline="0" smtClean="0">
+              <a:rPr kumimoji="0" lang="zh-CN" altLang="zh-CN" sz="1800" b="0" i="0" u="none" strike="noStrike" cap="none" normalizeH="0" baseline="0" dirty="0" smtClean="0">
                 <a:ln>
                   <a:noFill/>
                 </a:ln>
@@ -8052,7 +8052,7 @@
               </a:rPr>
               <a:t>cd .. %切换当前工作目录到matlab</a:t>
             </a:r>
-            <a:endParaRPr kumimoji="0" lang="en-US" altLang="zh-CN" sz="1800" b="0" i="0" u="none" strike="noStrike" cap="none" normalizeH="0" baseline="0" smtClean="0">
+            <a:endParaRPr kumimoji="0" lang="en-US" altLang="zh-CN" sz="1800" b="0" i="0" u="none" strike="noStrike" cap="none" normalizeH="0" baseline="0" dirty="0" smtClean="0">
               <a:ln>
                 <a:noFill/>
               </a:ln>
@@ -8073,7 +8073,7 @@
               </a:spcAft>
             </a:pPr>
             <a:r>
-              <a:rPr lang="zh-CN" altLang="zh-CN" smtClean="0">
+              <a:rPr lang="zh-CN" altLang="zh-CN" dirty="0" smtClean="0">
                 <a:solidFill>
                   <a:srgbClr val="999999"/>
                 </a:solidFill>
@@ -8082,7 +8082,7 @@
               <a:t>cd</a:t>
             </a:r>
             <a:r>
-              <a:rPr lang="en-US" altLang="zh-CN" smtClean="0">
+              <a:rPr lang="en-US" altLang="zh-CN" dirty="0" smtClean="0">
                 <a:solidFill>
                   <a:srgbClr val="999999"/>
                 </a:solidFill>
@@ -8091,7 +8091,7 @@
               <a:t> </a:t>
             </a:r>
             <a:r>
-              <a:rPr lang="zh-CN" altLang="zh-CN" smtClean="0">
+              <a:rPr lang="zh-CN" altLang="zh-CN" dirty="0" smtClean="0">
                 <a:solidFill>
                   <a:srgbClr val="999999"/>
                 </a:solidFill>
@@ -8099,7 +8099,7 @@
               </a:rPr>
               <a:t>‘c:/toolbox/matlab/demos’</a:t>
             </a:r>
-            <a:endParaRPr kumimoji="0" lang="en-US" altLang="zh-CN" sz="1800" b="0" i="0" u="none" strike="noStrike" cap="none" normalizeH="0" baseline="0" smtClean="0">
+            <a:endParaRPr kumimoji="0" lang="en-US" altLang="zh-CN" sz="1800" b="0" i="0" u="none" strike="noStrike" cap="none" normalizeH="0" baseline="0" dirty="0" smtClean="0">
               <a:ln>
                 <a:noFill/>
               </a:ln>
@@ -8127,7 +8127,7 @@
               <a:buNone/>
               <a:tabLst/>
             </a:pPr>
-            <a:endParaRPr lang="en-US" altLang="zh-CN">
+            <a:endParaRPr lang="en-US" altLang="zh-CN" dirty="0">
               <a:solidFill>
                 <a:srgbClr val="999999"/>
               </a:solidFill>
@@ -8152,7 +8152,7 @@
               <a:tabLst/>
             </a:pPr>
             <a:r>
-              <a:rPr kumimoji="0" lang="en-US" altLang="zh-CN" sz="1800" b="0" i="0" u="none" strike="noStrike" cap="none" normalizeH="0" baseline="0" smtClean="0">
+              <a:rPr kumimoji="0" lang="en-US" altLang="zh-CN" sz="1800" b="0" i="0" u="none" strike="noStrike" cap="none" normalizeH="0" baseline="0" dirty="0" err="1" smtClean="0">
                 <a:ln>
                   <a:noFill/>
                 </a:ln>
@@ -8165,7 +8165,7 @@
               <a:t>pwd</a:t>
             </a:r>
             <a:r>
-              <a:rPr kumimoji="0" lang="zh-CN" altLang="en-US" sz="1800" b="0" i="0" u="none" strike="noStrike" cap="none" normalizeH="0" baseline="0" smtClean="0">
+              <a:rPr kumimoji="0" lang="zh-CN" altLang="en-US" sz="1800" b="0" i="0" u="none" strike="noStrike" cap="none" normalizeH="0" baseline="0" dirty="0" smtClean="0">
                 <a:ln>
                   <a:noFill/>
                 </a:ln>
@@ -8177,7 +8177,7 @@
               </a:rPr>
               <a:t>看当前工作目录</a:t>
             </a:r>
-            <a:endParaRPr kumimoji="0" lang="en-US" altLang="zh-CN" sz="1800" b="0" i="0" u="none" strike="noStrike" cap="none" normalizeH="0" baseline="0" smtClean="0">
+            <a:endParaRPr kumimoji="0" lang="en-US" altLang="zh-CN" sz="1800" b="0" i="0" u="none" strike="noStrike" cap="none" normalizeH="0" baseline="0" dirty="0" smtClean="0">
               <a:ln>
                 <a:noFill/>
               </a:ln>
@@ -8205,7 +8205,7 @@
               <a:buNone/>
               <a:tabLst/>
             </a:pPr>
-            <a:endParaRPr lang="en-US" altLang="zh-CN">
+            <a:endParaRPr lang="en-US" altLang="zh-CN" dirty="0">
               <a:solidFill>
                 <a:srgbClr val="999999"/>
               </a:solidFill>
@@ -8230,7 +8230,7 @@
               <a:tabLst/>
             </a:pPr>
             <a:r>
-              <a:rPr kumimoji="0" lang="en-US" altLang="zh-CN" sz="1800" b="0" i="0" u="none" strike="noStrike" cap="none" normalizeH="0" baseline="0" smtClean="0">
+              <a:rPr kumimoji="0" lang="en-US" altLang="zh-CN" sz="1800" b="0" i="0" u="none" strike="noStrike" cap="none" normalizeH="0" baseline="0" dirty="0" smtClean="0">
                 <a:ln>
                   <a:noFill/>
                 </a:ln>
@@ -8243,7 +8243,7 @@
               <a:t>which +</a:t>
             </a:r>
             <a:r>
-              <a:rPr kumimoji="0" lang="zh-CN" altLang="en-US" sz="1800" b="0" i="0" u="none" strike="noStrike" cap="none" normalizeH="0" baseline="0" smtClean="0">
+              <a:rPr kumimoji="0" lang="zh-CN" altLang="en-US" sz="1800" b="0" i="0" u="none" strike="noStrike" cap="none" normalizeH="0" baseline="0" dirty="0" smtClean="0">
                 <a:ln>
                   <a:noFill/>
                 </a:ln>
@@ -8256,7 +8256,7 @@
               <a:t>文件名 搜索该文件的目录，可能能和</a:t>
             </a:r>
             <a:r>
-              <a:rPr kumimoji="0" lang="en-US" altLang="zh-CN" sz="1800" b="0" i="0" u="none" strike="noStrike" cap="none" normalizeH="0" baseline="0" smtClean="0">
+              <a:rPr kumimoji="0" lang="en-US" altLang="zh-CN" sz="1800" b="0" i="0" u="none" strike="noStrike" cap="none" normalizeH="0" baseline="0" dirty="0" smtClean="0">
                 <a:ln>
                   <a:noFill/>
                 </a:ln>
@@ -8269,7 +8269,7 @@
               <a:t>cd</a:t>
             </a:r>
             <a:r>
-              <a:rPr kumimoji="0" lang="zh-CN" altLang="en-US" sz="1800" b="0" i="0" u="none" strike="noStrike" cap="none" normalizeH="0" baseline="0" smtClean="0">
+              <a:rPr kumimoji="0" lang="zh-CN" altLang="en-US" sz="1800" b="0" i="0" u="none" strike="noStrike" cap="none" normalizeH="0" baseline="0" dirty="0" smtClean="0">
                 <a:ln>
                   <a:noFill/>
                 </a:ln>
@@ -8281,7 +8281,7 @@
               </a:rPr>
               <a:t>配合</a:t>
             </a:r>
-            <a:endParaRPr kumimoji="0" lang="zh-CN" altLang="zh-CN" sz="1800" b="0" i="0" u="none" strike="noStrike" cap="none" normalizeH="0" baseline="0" smtClean="0">
+            <a:endParaRPr kumimoji="0" lang="zh-CN" altLang="zh-CN" sz="1800" b="0" i="0" u="none" strike="noStrike" cap="none" normalizeH="0" baseline="0" dirty="0" smtClean="0">
               <a:ln>
                 <a:noFill/>
               </a:ln>
@@ -8634,27 +8634,27 @@
               <a:buChar char="•"/>
             </a:pPr>
             <a:r>
-              <a:rPr lang="zh-CN" altLang="en-US" sz="2000" smtClean="0"/>
+              <a:rPr lang="zh-CN" altLang="en-US" sz="2000" dirty="0" smtClean="0"/>
               <a:t>首先拟合理想滤波器频域曲线，获得</a:t>
             </a:r>
             <a:r>
-              <a:rPr lang="en-US" altLang="zh-CN" sz="2000" smtClean="0"/>
+              <a:rPr lang="en-US" altLang="zh-CN" sz="2000" dirty="0" smtClean="0"/>
               <a:t>s</a:t>
             </a:r>
             <a:r>
-              <a:rPr lang="zh-CN" altLang="en-US" sz="2000" smtClean="0"/>
+              <a:rPr lang="zh-CN" altLang="en-US" sz="2000" dirty="0" smtClean="0"/>
               <a:t>形式的滤波器模型</a:t>
             </a:r>
             <a:r>
-              <a:rPr lang="en-US" altLang="zh-CN" sz="2000" smtClean="0"/>
+              <a:rPr lang="en-US" altLang="zh-CN" sz="2000" dirty="0" smtClean="0"/>
               <a:t>(</a:t>
             </a:r>
             <a:r>
-              <a:rPr lang="zh-CN" altLang="en-US" sz="2000" smtClean="0"/>
+              <a:rPr lang="zh-CN" altLang="en-US" sz="2000" dirty="0" smtClean="0"/>
               <a:t>终值为</a:t>
             </a:r>
             <a:r>
-              <a:rPr lang="en-US" altLang="zh-CN" sz="2000" smtClean="0"/>
+              <a:rPr lang="en-US" altLang="zh-CN" sz="2000" dirty="0" smtClean="0"/>
               <a:t>1)</a:t>
             </a:r>
           </a:p>
@@ -8667,30 +8667,30 @@
               <a:buChar char="•"/>
             </a:pPr>
             <a:r>
-              <a:rPr lang="en-US" altLang="zh-CN" sz="2000" smtClean="0"/>
+              <a:rPr lang="en-US" altLang="zh-CN" sz="2000" dirty="0" smtClean="0"/>
               <a:t>c2d</a:t>
             </a:r>
             <a:r>
-              <a:rPr lang="zh-CN" altLang="en-US" sz="2000" smtClean="0"/>
+              <a:rPr lang="zh-CN" altLang="en-US" sz="2000" dirty="0" smtClean="0"/>
               <a:t>（）函数将</a:t>
             </a:r>
             <a:r>
-              <a:rPr lang="en-US" altLang="zh-CN" sz="2000" smtClean="0"/>
+              <a:rPr lang="en-US" altLang="zh-CN" sz="2000" dirty="0" smtClean="0"/>
               <a:t>s</a:t>
             </a:r>
             <a:r>
-              <a:rPr lang="zh-CN" altLang="en-US" sz="2000" smtClean="0"/>
+              <a:rPr lang="zh-CN" altLang="en-US" sz="2000" dirty="0" smtClean="0"/>
               <a:t>域化为离散采样信号的</a:t>
             </a:r>
             <a:r>
-              <a:rPr lang="en-US" altLang="zh-CN" sz="2000" smtClean="0"/>
+              <a:rPr lang="en-US" altLang="zh-CN" sz="2000" dirty="0" smtClean="0"/>
               <a:t>z</a:t>
             </a:r>
             <a:r>
-              <a:rPr lang="zh-CN" altLang="en-US" sz="2000" smtClean="0"/>
+              <a:rPr lang="zh-CN" altLang="en-US" sz="2000" dirty="0" smtClean="0"/>
               <a:t>域模型</a:t>
             </a:r>
-            <a:endParaRPr lang="en-US" altLang="zh-CN" sz="2000" smtClean="0"/>
+            <a:endParaRPr lang="en-US" altLang="zh-CN" sz="2000" dirty="0" smtClean="0"/>
           </a:p>
           <a:p>
             <a:pPr marL="285750" indent="-285750">
@@ -8701,14 +8701,14 @@
               <a:buChar char="•"/>
             </a:pPr>
             <a:r>
-              <a:rPr lang="en-US" altLang="zh-CN" sz="2000" smtClean="0"/>
+              <a:rPr lang="en-US" altLang="zh-CN" sz="2000" dirty="0" smtClean="0"/>
               <a:t>z</a:t>
             </a:r>
             <a:r>
-              <a:rPr lang="zh-CN" altLang="en-US" sz="2000" smtClean="0"/>
+              <a:rPr lang="zh-CN" altLang="en-US" sz="2000" dirty="0" smtClean="0"/>
               <a:t>域反变换得到离散采样信号域的滤波器模型</a:t>
             </a:r>
-            <a:endParaRPr lang="en-US" altLang="zh-CN" sz="2000" smtClean="0"/>
+            <a:endParaRPr lang="en-US" altLang="zh-CN" sz="2000" dirty="0" smtClean="0"/>
           </a:p>
           <a:p>
             <a:pPr marL="285750" indent="-285750">
@@ -8719,10 +8719,10 @@
               <a:buChar char="•"/>
             </a:pPr>
             <a:r>
-              <a:rPr lang="zh-CN" altLang="en-US" sz="2000" smtClean="0"/>
+              <a:rPr lang="zh-CN" altLang="en-US" sz="2000" dirty="0" smtClean="0"/>
               <a:t>根据离散模型编写程序</a:t>
             </a:r>
-            <a:endParaRPr lang="zh-CN" altLang="en-US" sz="2000"/>
+            <a:endParaRPr lang="zh-CN" altLang="en-US" sz="2000" dirty="0"/>
           </a:p>
         </p:txBody>
       </p:sp>
@@ -8748,59 +8748,59 @@
           <a:lstStyle/>
           <a:p>
             <a:r>
-              <a:rPr lang="zh-CN" altLang="en-US" sz="2000"/>
+              <a:rPr lang="zh-CN" altLang="en-US" sz="2000" dirty="0"/>
               <a:t> 'zoh'       Zero-order hold on the inputs</a:t>
             </a:r>
           </a:p>
           <a:p>
             <a:r>
-              <a:rPr lang="zh-CN" altLang="en-US" sz="2000" smtClean="0"/>
+              <a:rPr lang="zh-CN" altLang="en-US" sz="2000" dirty="0" smtClean="0"/>
               <a:t> '</a:t>
             </a:r>
             <a:r>
-              <a:rPr lang="zh-CN" altLang="en-US" sz="2000"/>
+              <a:rPr lang="zh-CN" altLang="en-US" sz="2000" dirty="0"/>
               <a:t>foh'       Linear interpolation of inputs</a:t>
             </a:r>
           </a:p>
           <a:p>
             <a:r>
-              <a:rPr lang="zh-CN" altLang="en-US" sz="2000"/>
+              <a:rPr lang="zh-CN" altLang="en-US" sz="2000" dirty="0"/>
               <a:t> </a:t>
             </a:r>
             <a:r>
-              <a:rPr lang="zh-CN" altLang="en-US" sz="2000" smtClean="0"/>
+              <a:rPr lang="zh-CN" altLang="en-US" sz="2000" dirty="0" smtClean="0"/>
               <a:t>'</a:t>
             </a:r>
             <a:r>
-              <a:rPr lang="zh-CN" altLang="en-US" sz="2000"/>
+              <a:rPr lang="zh-CN" altLang="en-US" sz="2000" dirty="0"/>
               <a:t>impulse'   Impulse-invariant discretization</a:t>
             </a:r>
           </a:p>
           <a:p>
             <a:r>
-              <a:rPr lang="zh-CN" altLang="en-US" sz="2000"/>
+              <a:rPr lang="zh-CN" altLang="en-US" sz="2000" dirty="0"/>
               <a:t> </a:t>
             </a:r>
             <a:r>
-              <a:rPr lang="zh-CN" altLang="en-US" sz="2000" smtClean="0"/>
+              <a:rPr lang="zh-CN" altLang="en-US" sz="2000" dirty="0" smtClean="0"/>
               <a:t>'</a:t>
             </a:r>
             <a:r>
-              <a:rPr lang="zh-CN" altLang="en-US" sz="2000"/>
+              <a:rPr lang="zh-CN" altLang="en-US" sz="2000" dirty="0"/>
               <a:t>tustin'    Bilinear (Tustin) approximation.</a:t>
             </a:r>
           </a:p>
           <a:p>
             <a:r>
-              <a:rPr lang="zh-CN" altLang="en-US" sz="2000"/>
+              <a:rPr lang="zh-CN" altLang="en-US" sz="2000" dirty="0"/>
               <a:t> </a:t>
             </a:r>
             <a:r>
-              <a:rPr lang="zh-CN" altLang="en-US" sz="2000" smtClean="0"/>
+              <a:rPr lang="zh-CN" altLang="en-US" sz="2000" dirty="0" smtClean="0"/>
               <a:t>'</a:t>
             </a:r>
             <a:r>
-              <a:rPr lang="zh-CN" altLang="en-US" sz="2000"/>
+              <a:rPr lang="zh-CN" altLang="en-US" sz="2000" dirty="0"/>
               <a:t>matched'   Matched pole-zero method (for SISO systems only).</a:t>
             </a:r>
           </a:p>
@@ -10233,256 +10233,6 @@
               <a:t>’</a:t>
             </a:r>
             <a:endParaRPr lang="en-US" altLang="zh-CN" smtClean="0"/>
-          </a:p>
-        </p:txBody>
-      </p:sp>
-      <p:sp>
-        <p:nvSpPr>
-          <p:cNvPr id="4" name="Rectangle 2"/>
-          <p:cNvSpPr>
-            <a:spLocks noChangeArrowheads="1"/>
-          </p:cNvSpPr>
-          <p:nvPr/>
-        </p:nvSpPr>
-        <p:spPr bwMode="auto">
-          <a:xfrm>
-            <a:off x="101600" y="-3784600"/>
-            <a:ext cx="12192000" cy="457200"/>
-          </a:xfrm>
-          <a:prstGeom prst="rect">
-            <a:avLst/>
-          </a:prstGeom>
-          <a:solidFill>
-            <a:srgbClr val="FFFFFF"/>
-          </a:solidFill>
-          <a:ln>
-            <a:noFill/>
-          </a:ln>
-          <a:effectLst/>
-          <a:extLst>
-            <a:ext uri="{91240B29-F687-4F45-9708-019B960494DF}">
-              <a14:hiddenLine xmlns:a14="http://schemas.microsoft.com/office/drawing/2010/main" w="9525">
-                <a:solidFill>
-                  <a:schemeClr val="tx1"/>
-                </a:solidFill>
-                <a:miter lim="800000"/>
-                <a:headEnd/>
-                <a:tailEnd/>
-              </a14:hiddenLine>
-            </a:ext>
-            <a:ext uri="{AF507438-7753-43E0-B8FC-AC1667EBCBE1}">
-              <a14:hiddenEffects xmlns:a14="http://schemas.microsoft.com/office/drawing/2010/main">
-                <a:effectLst>
-                  <a:outerShdw dist="35921" dir="2700000" algn="ctr" rotWithShape="0">
-                    <a:schemeClr val="bg2"/>
-                  </a:outerShdw>
-                </a:effectLst>
-              </a14:hiddenEffects>
-            </a:ext>
-          </a:extLst>
-        </p:spPr>
-        <p:txBody>
-          <a:bodyPr vert="horz" wrap="none" lIns="91440" tIns="45720" rIns="91440" bIns="45720" numCol="1" anchor="ctr" anchorCtr="0" compatLnSpc="1">
-            <a:prstTxWarp prst="textNoShape">
-              <a:avLst/>
-            </a:prstTxWarp>
-            <a:spAutoFit/>
-          </a:bodyPr>
-          <a:lstStyle>
-            <a:lvl1pPr eaLnBrk="0" fontAlgn="base" hangingPunct="0">
-              <a:spcBef>
-                <a:spcPct val="0"/>
-              </a:spcBef>
-              <a:spcAft>
-                <a:spcPct val="0"/>
-              </a:spcAft>
-              <a:defRPr>
-                <a:solidFill>
-                  <a:schemeClr val="tx1"/>
-                </a:solidFill>
-                <a:latin typeface="Arial" panose="020B0604020202020204" pitchFamily="34" charset="0"/>
-              </a:defRPr>
-            </a:lvl1pPr>
-            <a:lvl2pPr eaLnBrk="0" fontAlgn="base" hangingPunct="0">
-              <a:spcBef>
-                <a:spcPct val="0"/>
-              </a:spcBef>
-              <a:spcAft>
-                <a:spcPct val="0"/>
-              </a:spcAft>
-              <a:defRPr>
-                <a:solidFill>
-                  <a:schemeClr val="tx1"/>
-                </a:solidFill>
-                <a:latin typeface="Arial" panose="020B0604020202020204" pitchFamily="34" charset="0"/>
-              </a:defRPr>
-            </a:lvl2pPr>
-            <a:lvl3pPr eaLnBrk="0" fontAlgn="base" hangingPunct="0">
-              <a:spcBef>
-                <a:spcPct val="0"/>
-              </a:spcBef>
-              <a:spcAft>
-                <a:spcPct val="0"/>
-              </a:spcAft>
-              <a:defRPr>
-                <a:solidFill>
-                  <a:schemeClr val="tx1"/>
-                </a:solidFill>
-                <a:latin typeface="Arial" panose="020B0604020202020204" pitchFamily="34" charset="0"/>
-              </a:defRPr>
-            </a:lvl3pPr>
-            <a:lvl4pPr eaLnBrk="0" fontAlgn="base" hangingPunct="0">
-              <a:spcBef>
-                <a:spcPct val="0"/>
-              </a:spcBef>
-              <a:spcAft>
-                <a:spcPct val="0"/>
-              </a:spcAft>
-              <a:defRPr>
-                <a:solidFill>
-                  <a:schemeClr val="tx1"/>
-                </a:solidFill>
-                <a:latin typeface="Arial" panose="020B0604020202020204" pitchFamily="34" charset="0"/>
-              </a:defRPr>
-            </a:lvl4pPr>
-            <a:lvl5pPr eaLnBrk="0" fontAlgn="base" hangingPunct="0">
-              <a:spcBef>
-                <a:spcPct val="0"/>
-              </a:spcBef>
-              <a:spcAft>
-                <a:spcPct val="0"/>
-              </a:spcAft>
-              <a:defRPr>
-                <a:solidFill>
-                  <a:schemeClr val="tx1"/>
-                </a:solidFill>
-                <a:latin typeface="Arial" panose="020B0604020202020204" pitchFamily="34" charset="0"/>
-              </a:defRPr>
-            </a:lvl5pPr>
-            <a:lvl6pPr eaLnBrk="0" fontAlgn="base" hangingPunct="0">
-              <a:spcBef>
-                <a:spcPct val="0"/>
-              </a:spcBef>
-              <a:spcAft>
-                <a:spcPct val="0"/>
-              </a:spcAft>
-              <a:defRPr>
-                <a:solidFill>
-                  <a:schemeClr val="tx1"/>
-                </a:solidFill>
-                <a:latin typeface="Arial" panose="020B0604020202020204" pitchFamily="34" charset="0"/>
-              </a:defRPr>
-            </a:lvl6pPr>
-            <a:lvl7pPr eaLnBrk="0" fontAlgn="base" hangingPunct="0">
-              <a:spcBef>
-                <a:spcPct val="0"/>
-              </a:spcBef>
-              <a:spcAft>
-                <a:spcPct val="0"/>
-              </a:spcAft>
-              <a:defRPr>
-                <a:solidFill>
-                  <a:schemeClr val="tx1"/>
-                </a:solidFill>
-                <a:latin typeface="Arial" panose="020B0604020202020204" pitchFamily="34" charset="0"/>
-              </a:defRPr>
-            </a:lvl7pPr>
-            <a:lvl8pPr eaLnBrk="0" fontAlgn="base" hangingPunct="0">
-              <a:spcBef>
-                <a:spcPct val="0"/>
-              </a:spcBef>
-              <a:spcAft>
-                <a:spcPct val="0"/>
-              </a:spcAft>
-              <a:defRPr>
-                <a:solidFill>
-                  <a:schemeClr val="tx1"/>
-                </a:solidFill>
-                <a:latin typeface="Arial" panose="020B0604020202020204" pitchFamily="34" charset="0"/>
-              </a:defRPr>
-            </a:lvl8pPr>
-            <a:lvl9pPr eaLnBrk="0" fontAlgn="base" hangingPunct="0">
-              <a:spcBef>
-                <a:spcPct val="0"/>
-              </a:spcBef>
-              <a:spcAft>
-                <a:spcPct val="0"/>
-              </a:spcAft>
-              <a:defRPr>
-                <a:solidFill>
-                  <a:schemeClr val="tx1"/>
-                </a:solidFill>
-                <a:latin typeface="Arial" panose="020B0604020202020204" pitchFamily="34" charset="0"/>
-              </a:defRPr>
-            </a:lvl9pPr>
-          </a:lstStyle>
-          <a:p>
-            <a:pPr marL="0" marR="0" lvl="0" indent="0" algn="l" defTabSz="914400" rtl="0" eaLnBrk="0" fontAlgn="base" latinLnBrk="0" hangingPunct="0">
-              <a:lnSpc>
-                <a:spcPct val="100000"/>
-              </a:lnSpc>
-              <a:spcBef>
-                <a:spcPct val="0"/>
-              </a:spcBef>
-              <a:spcAft>
-                <a:spcPct val="0"/>
-              </a:spcAft>
-              <a:buClrTx/>
-              <a:buSzTx/>
-              <a:buFontTx/>
-              <a:buNone/>
-              <a:tabLst/>
-            </a:pPr>
-            <a:r>
-              <a:rPr kumimoji="0" lang="zh-CN" altLang="zh-CN" sz="900" b="0" i="0" u="none" strike="noStrike" cap="none" normalizeH="0" baseline="0" smtClean="0">
-                <a:ln>
-                  <a:noFill/>
-                </a:ln>
-                <a:solidFill>
-                  <a:srgbClr val="404040"/>
-                </a:solidFill>
-                <a:effectLst/>
-                <a:latin typeface="Arial Unicode MS" panose="020B0604020202020204" pitchFamily="34" charset="-122"/>
-                <a:ea typeface="Menlo"/>
-              </a:rPr>
-              <a:t>fgets</a:t>
-            </a:r>
-            <a:r>
-              <a:rPr kumimoji="0" lang="zh-CN" altLang="zh-CN" sz="900" b="0" i="0" u="none" strike="noStrike" cap="none" normalizeH="0" baseline="0" smtClean="0">
-                <a:ln>
-                  <a:noFill/>
-                </a:ln>
-                <a:solidFill>
-                  <a:srgbClr val="404040"/>
-                </a:solidFill>
-                <a:effectLst/>
-                <a:latin typeface="Arial" panose="020B0604020202020204" pitchFamily="34" charset="0"/>
-                <a:cs typeface="Arial" panose="020B0604020202020204" pitchFamily="34" charset="0"/>
-              </a:rPr>
-              <a:t>.</a:t>
-            </a:r>
-            <a:r>
-              <a:rPr kumimoji="0" lang="zh-CN" altLang="zh-CN" sz="800" b="0" i="0" u="none" strike="noStrike" cap="none" normalizeH="0" baseline="0" smtClean="0">
-                <a:ln>
-                  <a:noFill/>
-                </a:ln>
-                <a:solidFill>
-                  <a:schemeClr val="tx1"/>
-                </a:solidFill>
-                <a:effectLst/>
-              </a:rPr>
-              <a:t> </a:t>
-            </a:r>
-            <a:endParaRPr kumimoji="0" lang="zh-CN" altLang="zh-CN" sz="1800" b="0" i="0" u="none" strike="noStrike" cap="none" normalizeH="0" baseline="0" smtClean="0">
-              <a:ln>
-                <a:noFill/>
-              </a:ln>
-              <a:solidFill>
-                <a:schemeClr val="tx1"/>
-              </a:solidFill>
-              <a:effectLst/>
-              <a:latin typeface="Arial" panose="020B0604020202020204" pitchFamily="34" charset="0"/>
-            </a:endParaRPr>
           </a:p>
         </p:txBody>
       </p:sp>
@@ -11812,11 +11562,7 @@
             </a:r>
             <a:r>
               <a:rPr lang="zh-CN" altLang="en-US" sz="1600" dirty="0"/>
-              <a:t>中</a:t>
-            </a:r>
-            <a:r>
-              <a:rPr lang="zh-CN" altLang="en-US" sz="1600" dirty="0"/>
-              <a:t>最主要的元素是 </a:t>
+              <a:t>中最主要的元素是 </a:t>
             </a:r>
             <a:r>
               <a:rPr lang="en-US" altLang="zh-CN" sz="1600" dirty="0"/>
@@ -11824,15 +11570,7 @@
             </a:r>
             <a:r>
               <a:rPr lang="zh-CN" altLang="en-US" sz="1600" dirty="0"/>
-              <a:t>（子图）</a:t>
-            </a:r>
-            <a:r>
-              <a:rPr lang="zh-CN" altLang="en-US" sz="1600" dirty="0"/>
-              <a:t>。</a:t>
-            </a:r>
-            <a:r>
-              <a:rPr lang="zh-CN" altLang="en-US" sz="1600" dirty="0"/>
-              <a:t>一个 </a:t>
+              <a:t>（子图）。一个 </a:t>
             </a:r>
             <a:r>
               <a:rPr lang="en-US" altLang="zh-CN" sz="1600" dirty="0"/>
@@ -11840,11 +11578,7 @@
             </a:r>
             <a:r>
               <a:rPr lang="zh-CN" altLang="en-US" sz="1600" dirty="0"/>
-              <a:t>中可以有多个子图，但至少要有一个能够显示内容的子图</a:t>
-            </a:r>
-            <a:r>
-              <a:rPr lang="zh-CN" altLang="en-US" sz="1600" dirty="0"/>
-              <a:t>。</a:t>
+              <a:t>中可以有多个子图，但至少要有一个能够显示内容的子图。</a:t>
             </a:r>
             <a:endParaRPr lang="en-US" altLang="zh-CN" sz="1600" dirty="0"/>
           </a:p>
